--- a/Predictive Modelling for Credit Risk Management/Docomentaion/Credit risk analysis.pptx
+++ b/Predictive Modelling for Credit Risk Management/Docomentaion/Credit risk analysis.pptx
@@ -6690,7 +6690,7 @@
           <a:p>
             <a:fld id="{9BE20E40-5C0D-4612-AAAD-72EFFD895E3F}" type="datetimeFigureOut">
               <a:rPr lang="en-US" smtClean="0"/>
-              <a:t>10/19/2023</a:t>
+              <a:t>3/9/2024</a:t>
             </a:fld>
             <a:endParaRPr lang="en-US"/>
           </a:p>
@@ -6898,7 +6898,7 @@
           <a:p>
             <a:fld id="{9BE20E40-5C0D-4612-AAAD-72EFFD895E3F}" type="datetimeFigureOut">
               <a:rPr lang="en-US" smtClean="0"/>
-              <a:t>10/19/2023</a:t>
+              <a:t>3/9/2024</a:t>
             </a:fld>
             <a:endParaRPr lang="en-US"/>
           </a:p>
@@ -7154,7 +7154,7 @@
           <a:p>
             <a:fld id="{9BE20E40-5C0D-4612-AAAD-72EFFD895E3F}" type="datetimeFigureOut">
               <a:rPr lang="en-US" smtClean="0"/>
-              <a:t>10/19/2023</a:t>
+              <a:t>3/9/2024</a:t>
             </a:fld>
             <a:endParaRPr lang="en-US"/>
           </a:p>
@@ -7328,7 +7328,7 @@
           <a:p>
             <a:fld id="{9BE20E40-5C0D-4612-AAAD-72EFFD895E3F}" type="datetimeFigureOut">
               <a:rPr lang="en-US" smtClean="0"/>
-              <a:t>10/19/2023</a:t>
+              <a:t>3/9/2024</a:t>
             </a:fld>
             <a:endParaRPr lang="en-US"/>
           </a:p>
@@ -7671,7 +7671,7 @@
           <a:p>
             <a:fld id="{9BE20E40-5C0D-4612-AAAD-72EFFD895E3F}" type="datetimeFigureOut">
               <a:rPr lang="en-US" smtClean="0"/>
-              <a:t>10/19/2023</a:t>
+              <a:t>3/9/2024</a:t>
             </a:fld>
             <a:endParaRPr lang="en-US"/>
           </a:p>
@@ -7946,7 +7946,7 @@
           <a:p>
             <a:fld id="{9BE20E40-5C0D-4612-AAAD-72EFFD895E3F}" type="datetimeFigureOut">
               <a:rPr lang="en-US" smtClean="0"/>
-              <a:t>10/19/2023</a:t>
+              <a:t>3/9/2024</a:t>
             </a:fld>
             <a:endParaRPr lang="en-US"/>
           </a:p>
@@ -8325,7 +8325,7 @@
           <a:p>
             <a:fld id="{9BE20E40-5C0D-4612-AAAD-72EFFD895E3F}" type="datetimeFigureOut">
               <a:rPr lang="en-US" smtClean="0"/>
-              <a:t>10/19/2023</a:t>
+              <a:t>3/9/2024</a:t>
             </a:fld>
             <a:endParaRPr lang="en-US"/>
           </a:p>
@@ -8443,7 +8443,7 @@
           <a:p>
             <a:fld id="{9BE20E40-5C0D-4612-AAAD-72EFFD895E3F}" type="datetimeFigureOut">
               <a:rPr lang="en-US" smtClean="0"/>
-              <a:t>10/19/2023</a:t>
+              <a:t>3/9/2024</a:t>
             </a:fld>
             <a:endParaRPr lang="en-US"/>
           </a:p>
@@ -8614,7 +8614,7 @@
           <a:p>
             <a:fld id="{9BE20E40-5C0D-4612-AAAD-72EFFD895E3F}" type="datetimeFigureOut">
               <a:rPr lang="en-US" smtClean="0"/>
-              <a:t>10/19/2023</a:t>
+              <a:t>3/9/2024</a:t>
             </a:fld>
             <a:endParaRPr lang="en-US"/>
           </a:p>
@@ -8968,7 +8968,7 @@
           <a:p>
             <a:fld id="{9BE20E40-5C0D-4612-AAAD-72EFFD895E3F}" type="datetimeFigureOut">
               <a:rPr lang="en-US" smtClean="0"/>
-              <a:t>10/19/2023</a:t>
+              <a:t>3/9/2024</a:t>
             </a:fld>
             <a:endParaRPr lang="en-US"/>
           </a:p>
@@ -9350,7 +9350,7 @@
           <a:p>
             <a:fld id="{9BE20E40-5C0D-4612-AAAD-72EFFD895E3F}" type="datetimeFigureOut">
               <a:rPr lang="en-US" smtClean="0"/>
-              <a:t>10/19/2023</a:t>
+              <a:t>3/9/2024</a:t>
             </a:fld>
             <a:endParaRPr lang="en-US"/>
           </a:p>
@@ -9637,7 +9637,7 @@
           <a:p>
             <a:fld id="{9BE20E40-5C0D-4612-AAAD-72EFFD895E3F}" type="datetimeFigureOut">
               <a:rPr lang="en-US" smtClean="0"/>
-              <a:t>10/19/2023</a:t>
+              <a:t>3/9/2024</a:t>
             </a:fld>
             <a:endParaRPr lang="en-US"/>
           </a:p>
@@ -10236,7 +10236,7 @@
         </p:spPr>
         <p:txBody>
           <a:bodyPr>
-            <a:normAutofit lnSpcReduction="10000"/>
+            <a:normAutofit/>
           </a:bodyPr>
           <a:lstStyle/>
           <a:p>
@@ -10255,16 +10255,6 @@
           <a:p>
             <a:pPr algn="l"/>
             <a:r>
-              <a:rPr lang="en-US" i="1" dirty="0" err="1">
-                <a:solidFill>
-                  <a:schemeClr val="accent2">
-                    <a:lumMod val="75000"/>
-                  </a:schemeClr>
-                </a:solidFill>
-              </a:rPr>
-              <a:t>P.Swathi</a:t>
-            </a:r>
-            <a:r>
               <a:rPr lang="en-US" i="1" dirty="0">
                 <a:solidFill>
                   <a:schemeClr val="accent2">
@@ -10272,47 +10262,7 @@
                   </a:schemeClr>
                 </a:solidFill>
               </a:rPr>
-              <a:t> </a:t>
-            </a:r>
-            <a:r>
-              <a:rPr lang="en-US" i="1" dirty="0" err="1">
-                <a:solidFill>
-                  <a:schemeClr val="accent2">
-                    <a:lumMod val="75000"/>
-                  </a:schemeClr>
-                </a:solidFill>
-              </a:rPr>
-              <a:t>priyadarsini</a:t>
-            </a:r>
-            <a:endParaRPr lang="en-US" i="1" dirty="0">
-              <a:solidFill>
-                <a:schemeClr val="accent2">
-                  <a:lumMod val="75000"/>
-                </a:schemeClr>
-              </a:solidFill>
-            </a:endParaRPr>
-          </a:p>
-          <a:p>
-            <a:pPr algn="l"/>
-            <a:r>
-              <a:rPr lang="en-US" i="1" dirty="0" err="1">
-                <a:solidFill>
-                  <a:schemeClr val="accent2">
-                    <a:lumMod val="75000"/>
-                  </a:schemeClr>
-                </a:solidFill>
-              </a:rPr>
-              <a:t>Deepraj</a:t>
-            </a:r>
-            <a:r>
-              <a:rPr lang="en-US" i="1" dirty="0">
-                <a:solidFill>
-                  <a:schemeClr val="accent2">
-                    <a:lumMod val="75000"/>
-                  </a:schemeClr>
-                </a:solidFill>
-              </a:rPr>
-              <a:t> </a:t>
+              <a:t>Deepraj </a:t>
             </a:r>
             <a:r>
               <a:rPr lang="en-US" i="1" dirty="0" err="1">
@@ -10323,36 +10273,6 @@
                 </a:solidFill>
               </a:rPr>
               <a:t>vadhwane</a:t>
-            </a:r>
-            <a:endParaRPr lang="en-US" i="1" dirty="0">
-              <a:solidFill>
-                <a:schemeClr val="accent2">
-                  <a:lumMod val="75000"/>
-                </a:schemeClr>
-              </a:solidFill>
-            </a:endParaRPr>
-          </a:p>
-          <a:p>
-            <a:pPr algn="l"/>
-            <a:r>
-              <a:rPr lang="en-US" i="1" dirty="0">
-                <a:solidFill>
-                  <a:schemeClr val="accent2">
-                    <a:lumMod val="75000"/>
-                  </a:schemeClr>
-                </a:solidFill>
-              </a:rPr>
-              <a:t>Prajwal </a:t>
-            </a:r>
-            <a:r>
-              <a:rPr lang="en-US" i="1" dirty="0" err="1">
-                <a:solidFill>
-                  <a:schemeClr val="accent2">
-                    <a:lumMod val="75000"/>
-                  </a:schemeClr>
-                </a:solidFill>
-              </a:rPr>
-              <a:t>Gharal</a:t>
             </a:r>
             <a:endParaRPr lang="en-US" i="1" dirty="0">
               <a:solidFill>
